--- a/Visão Computacional/Aula 03 - Descritores/Aula 03 - Descritores.pptx
+++ b/Visão Computacional/Aula 03 - Descritores/Aula 03 - Descritores.pptx
@@ -3823,7 +3823,7 @@
           <a:p>
             <a:fld id="{1E70C3DA-890E-403A-A394-12590D674BA9}" type="datetimeFigureOut">
               <a:rPr lang="en-US" smtClean="0"/>
-              <a:t>10/14/2022</a:t>
+              <a:t>10/15/2022</a:t>
             </a:fld>
             <a:endParaRPr lang="en-US"/>
           </a:p>
@@ -3986,7 +3986,7 @@
           <a:p>
             <a:fld id="{9C74593B-6BDF-43DE-A371-3B62B07974C5}" type="datetimeFigureOut">
               <a:rPr lang="en-US" smtClean="0"/>
-              <a:t>10/14/2022</a:t>
+              <a:t>10/15/2022</a:t>
             </a:fld>
             <a:endParaRPr lang="en-US"/>
           </a:p>
@@ -4149,7 +4149,7 @@
           <a:p>
             <a:fld id="{76DF1ECD-7B5D-4ED5-B354-B514CC2D989D}" type="datetimeFigureOut">
               <a:rPr lang="en-US" smtClean="0"/>
-              <a:t>10/14/2022</a:t>
+              <a:t>10/15/2022</a:t>
             </a:fld>
             <a:endParaRPr lang="en-US"/>
           </a:p>
@@ -5039,7 +5039,7 @@
           <a:p>
             <a:fld id="{10B7CD33-797B-40E9-B6C1-B200728C487E}" type="datetimeFigureOut">
               <a:rPr lang="en-US" smtClean="0"/>
-              <a:t>10/14/2022</a:t>
+              <a:t>10/15/2022</a:t>
             </a:fld>
             <a:endParaRPr lang="en-US"/>
           </a:p>
@@ -6387,7 +6387,7 @@
           <a:p>
             <a:fld id="{2CD2FFFD-5B9F-4330-9053-92D63BD29E49}" type="datetimeFigureOut">
               <a:rPr lang="en-US" smtClean="0"/>
-              <a:t>10/14/2022</a:t>
+              <a:t>10/15/2022</a:t>
             </a:fld>
             <a:endParaRPr lang="en-US"/>
           </a:p>
@@ -7960,7 +7960,7 @@
           <a:p>
             <a:fld id="{42016035-970B-46C4-B62F-D2A8CDEEA4EA}" type="datetimeFigureOut">
               <a:rPr lang="en-US" smtClean="0"/>
-              <a:t>10/14/2022</a:t>
+              <a:t>10/15/2022</a:t>
             </a:fld>
             <a:endParaRPr lang="en-US"/>
           </a:p>
@@ -9558,7 +9558,7 @@
           <a:p>
             <a:fld id="{32240F4E-B457-4DFF-8827-E4069535D59D}" type="datetimeFigureOut">
               <a:rPr lang="en-US" smtClean="0"/>
-              <a:t>10/14/2022</a:t>
+              <a:t>10/15/2022</a:t>
             </a:fld>
             <a:endParaRPr lang="en-US"/>
           </a:p>
@@ -10975,7 +10975,7 @@
           <a:p>
             <a:fld id="{CA948287-0DC0-4C23-A348-491CC4BB958F}" type="datetimeFigureOut">
               <a:rPr lang="en-US" smtClean="0"/>
-              <a:t>10/14/2022</a:t>
+              <a:t>10/15/2022</a:t>
             </a:fld>
             <a:endParaRPr lang="en-US"/>
           </a:p>
@@ -11066,7 +11066,7 @@
           <a:p>
             <a:fld id="{6945C689-0618-482C-BDF9-E83D2E9AA2B1}" type="datetimeFigureOut">
               <a:rPr lang="en-US" smtClean="0"/>
-              <a:t>10/14/2022</a:t>
+              <a:t>10/15/2022</a:t>
             </a:fld>
             <a:endParaRPr lang="en-US"/>
           </a:p>
@@ -11320,7 +11320,7 @@
           <a:p>
             <a:fld id="{A42121E0-F184-436A-92D2-2E2C43F2E7F2}" type="datetimeFigureOut">
               <a:rPr lang="en-US" smtClean="0"/>
-              <a:t>10/14/2022</a:t>
+              <a:t>10/15/2022</a:t>
             </a:fld>
             <a:endParaRPr lang="en-US"/>
           </a:p>
@@ -11552,7 +11552,7 @@
           <a:p>
             <a:fld id="{94909959-A17F-44CF-ABF3-4FB5CC832A25}" type="datetimeFigureOut">
               <a:rPr lang="en-US" smtClean="0"/>
-              <a:t>10/14/2022</a:t>
+              <a:t>10/15/2022</a:t>
             </a:fld>
             <a:endParaRPr lang="en-US"/>
           </a:p>
@@ -11758,7 +11758,7 @@
           <a:p>
             <a:fld id="{E8FD0B7A-F5DD-4F40-B4CB-3B2C354B893A}" type="datetimeFigureOut">
               <a:rPr lang="en-US" smtClean="0"/>
-              <a:t>10/14/2022</a:t>
+              <a:t>10/15/2022</a:t>
             </a:fld>
             <a:endParaRPr lang="en-US"/>
           </a:p>
@@ -21395,7 +21395,7 @@
         </p:blipFill>
         <p:spPr>
           <a:xfrm>
-            <a:off x="614248" y="3473965"/>
+            <a:off x="1151880" y="3473965"/>
             <a:ext cx="1638529" cy="1276528"/>
           </a:xfrm>
           <a:prstGeom prst="rect">
@@ -21425,7 +21425,7 @@
         </p:blipFill>
         <p:spPr>
           <a:xfrm>
-            <a:off x="5639739" y="1524000"/>
+            <a:off x="6177371" y="1524000"/>
             <a:ext cx="3122308" cy="5176458"/>
           </a:xfrm>
           <a:prstGeom prst="rect">
@@ -24954,7 +24954,7 @@
         <p:spPr>
           <a:xfrm>
             <a:off x="200025" y="1689990"/>
-            <a:ext cx="9516375" cy="2585323"/>
+            <a:ext cx="9516375" cy="2308324"/>
           </a:xfrm>
           <a:prstGeom prst="rect">
             <a:avLst/>
@@ -25066,7 +25066,7 @@
               <a:buChar char="•"/>
             </a:pPr>
             <a:r>
-              <a:rPr lang="en-US">
+              <a:rPr lang="en-US" dirty="0">
                 <a:latin typeface="Calibri" panose="020F0502020204030204" pitchFamily="34" charset="0"/>
                 <a:cs typeface="Calibri" panose="020F0502020204030204" pitchFamily="34" charset="0"/>
               </a:rPr>
@@ -25079,99 +25079,69 @@
               <a:buChar char="•"/>
             </a:pPr>
             <a:r>
-              <a:rPr lang="en-US" b="0" i="0">
+              <a:rPr lang="pt-BR" b="0" i="0" dirty="0">
                 <a:effectLst/>
                 <a:latin typeface="Inter"/>
               </a:rPr>
-              <a:t>Values that carry both spatial and intensity information (shape)</a:t>
+              <a:t>Determinam informações espaciais e de intensidade (forma)</a:t>
             </a:r>
-            <a:endParaRPr lang="en-US">
-              <a:latin typeface="Calibri" panose="020F0502020204030204" pitchFamily="34" charset="0"/>
-              <a:cs typeface="Calibri" panose="020F0502020204030204" pitchFamily="34" charset="0"/>
-            </a:endParaRPr>
-          </a:p>
-          <a:p>
-            <a:pPr marL="1200150" lvl="2" indent="-285750">
+          </a:p>
+          <a:p>
+            <a:pPr marL="742950" lvl="1" indent="-285750">
               <a:buFont typeface="Arial" pitchFamily="34" charset="0"/>
               <a:buChar char="•"/>
             </a:pPr>
             <a:r>
-              <a:rPr lang="en-US">
-                <a:latin typeface="Calibri" panose="020F0502020204030204" pitchFamily="34" charset="0"/>
-                <a:cs typeface="Calibri" panose="020F0502020204030204" pitchFamily="34" charset="0"/>
+              <a:rPr lang="pt-BR" b="0" i="0" dirty="0">
+                <a:effectLst/>
+                <a:latin typeface="Inter"/>
               </a:rPr>
-              <a:t>Weighted average of all pixel's intensities</a:t>
+              <a:t>Média ponderada de todas as intensidades de </a:t>
             </a:r>
-          </a:p>
-          <a:p>
-            <a:pPr marL="1200150" lvl="2" indent="-285750">
+            <a:r>
+              <a:rPr lang="pt-BR" b="0" i="0" dirty="0" err="1">
+                <a:effectLst/>
+                <a:latin typeface="Inter"/>
+              </a:rPr>
+              <a:t>pixelI</a:t>
+            </a:r>
+            <a:r>
+              <a:rPr lang="pt-BR" b="0" i="0" dirty="0">
+                <a:effectLst/>
+                <a:latin typeface="Inter"/>
+              </a:rPr>
+              <a:t> (</a:t>
+            </a:r>
+            <a:r>
+              <a:rPr lang="pt-BR" b="0" i="0" dirty="0" err="1">
+                <a:effectLst/>
+                <a:latin typeface="Inter"/>
+              </a:rPr>
+              <a:t>x,y</a:t>
+            </a:r>
+            <a:r>
+              <a:rPr lang="pt-BR" b="0" i="0" dirty="0">
+                <a:effectLst/>
+                <a:latin typeface="Inter"/>
+              </a:rPr>
+              <a:t>) </a:t>
+            </a:r>
+          </a:p>
+          <a:p>
+            <a:pPr marL="742950" lvl="1" indent="-285750">
               <a:buFont typeface="Arial" pitchFamily="34" charset="0"/>
               <a:buChar char="•"/>
             </a:pPr>
             <a:r>
-              <a:rPr lang="en-US">
-                <a:latin typeface="Calibri" panose="020F0502020204030204" pitchFamily="34" charset="0"/>
-                <a:cs typeface="Calibri" panose="020F0502020204030204" pitchFamily="34" charset="0"/>
-              </a:rPr>
-              <a:t>I(x,y) </a:t>
-            </a:r>
-            <a:r>
-              <a:rPr lang="en-US">
-                <a:latin typeface="Calibri" panose="020F0502020204030204" pitchFamily="34" charset="0"/>
-                <a:cs typeface="Calibri" panose="020F0502020204030204" pitchFamily="34" charset="0"/>
-                <a:sym typeface="Wingdings" panose="05000000000000000000" pitchFamily="2" charset="2"/>
-              </a:rPr>
-              <a:t> pixel coordinates of input</a:t>
-            </a:r>
-          </a:p>
-          <a:p>
-            <a:pPr marL="1200150" lvl="2" indent="-285750">
-              <a:buFont typeface="Arial" pitchFamily="34" charset="0"/>
-              <a:buChar char="•"/>
-            </a:pPr>
-            <a:r>
-              <a:rPr lang="en-US">
-                <a:latin typeface="Calibri" panose="020F0502020204030204" pitchFamily="34" charset="0"/>
-                <a:cs typeface="Calibri" panose="020F0502020204030204" pitchFamily="34" charset="0"/>
-                <a:sym typeface="Wingdings" panose="05000000000000000000" pitchFamily="2" charset="2"/>
-              </a:rPr>
-              <a:t>Powers, </a:t>
-            </a:r>
-            <a:r>
-              <a:rPr lang="en-US" i="1">
-                <a:latin typeface="Calibri" panose="020F0502020204030204" pitchFamily="34" charset="0"/>
-                <a:cs typeface="Calibri" panose="020F0502020204030204" pitchFamily="34" charset="0"/>
-                <a:sym typeface="Wingdings" panose="05000000000000000000" pitchFamily="2" charset="2"/>
-              </a:rPr>
-              <a:t>p</a:t>
-            </a:r>
-            <a:r>
-              <a:rPr lang="en-US">
-                <a:latin typeface="Calibri" panose="020F0502020204030204" pitchFamily="34" charset="0"/>
-                <a:cs typeface="Calibri" panose="020F0502020204030204" pitchFamily="34" charset="0"/>
-                <a:sym typeface="Wingdings" panose="05000000000000000000" pitchFamily="2" charset="2"/>
-              </a:rPr>
-              <a:t> and </a:t>
-            </a:r>
-            <a:r>
-              <a:rPr lang="en-US" i="1">
-                <a:latin typeface="Calibri" panose="020F0502020204030204" pitchFamily="34" charset="0"/>
-                <a:cs typeface="Calibri" panose="020F0502020204030204" pitchFamily="34" charset="0"/>
-                <a:sym typeface="Wingdings" panose="05000000000000000000" pitchFamily="2" charset="2"/>
-              </a:rPr>
-              <a:t>q, </a:t>
-            </a:r>
-            <a:r>
-              <a:rPr lang="en-US" b="0" i="0">
+              <a:rPr lang="pt-BR" b="0" i="0" dirty="0">
                 <a:effectLst/>
                 <a:latin typeface="Inter"/>
               </a:rPr>
-              <a:t>are the weights of the horizontal and vertical dimensions</a:t>
+              <a:t>Potências, p e q, são os pesos das dimensões horizontal e vertical</a:t>
             </a:r>
-            <a:endParaRPr lang="en-US">
+            <a:endParaRPr lang="en-US" dirty="0">
               <a:latin typeface="Calibri" panose="020F0502020204030204" pitchFamily="34" charset="0"/>
               <a:cs typeface="Calibri" panose="020F0502020204030204" pitchFamily="34" charset="0"/>
-              <a:sym typeface="Wingdings" panose="05000000000000000000" pitchFamily="2" charset="2"/>
             </a:endParaRPr>
           </a:p>
           <a:p>
@@ -25179,7 +25149,7 @@
               <a:buFont typeface="Arial" pitchFamily="34" charset="0"/>
               <a:buChar char="•"/>
             </a:pPr>
-            <a:endParaRPr lang="en-US">
+            <a:endParaRPr lang="en-US" dirty="0">
               <a:latin typeface="Calibri" panose="020F0502020204030204" pitchFamily="34" charset="0"/>
               <a:cs typeface="Calibri" panose="020F0502020204030204" pitchFamily="34" charset="0"/>
             </a:endParaRPr>
@@ -25190,11 +25160,18 @@
               <a:buChar char="•"/>
             </a:pPr>
             <a:r>
-              <a:rPr lang="en-US" err="1">
+              <a:rPr lang="en-US" dirty="0" err="1">
                 <a:latin typeface="Calibri" panose="020F0502020204030204" pitchFamily="34" charset="0"/>
                 <a:cs typeface="Calibri" panose="020F0502020204030204" pitchFamily="34" charset="0"/>
               </a:rPr>
-              <a:t>HuMoments (Hu 1962)</a:t>
+              <a:t>HuMoments</a:t>
+            </a:r>
+            <a:r>
+              <a:rPr lang="en-US" dirty="0">
+                <a:latin typeface="Calibri" panose="020F0502020204030204" pitchFamily="34" charset="0"/>
+                <a:cs typeface="Calibri" panose="020F0502020204030204" pitchFamily="34" charset="0"/>
+              </a:rPr>
+              <a:t> (Hu 1962)</a:t>
             </a:r>
           </a:p>
           <a:p>
@@ -25203,11 +25180,53 @@
               <a:buChar char="•"/>
             </a:pPr>
             <a:r>
-              <a:rPr lang="en-US">
+              <a:rPr lang="en-US" dirty="0">
                 <a:latin typeface="Calibri" panose="020F0502020204030204" pitchFamily="34" charset="0"/>
                 <a:cs typeface="Calibri" panose="020F0502020204030204" pitchFamily="34" charset="0"/>
               </a:rPr>
-              <a:t>Translation and Scale Invariant</a:t>
+              <a:t>7 </a:t>
+            </a:r>
+            <a:r>
+              <a:rPr lang="en-US" dirty="0" err="1">
+                <a:latin typeface="Calibri" panose="020F0502020204030204" pitchFamily="34" charset="0"/>
+                <a:cs typeface="Calibri" panose="020F0502020204030204" pitchFamily="34" charset="0"/>
+              </a:rPr>
+              <a:t>Momentos</a:t>
+            </a:r>
+            <a:r>
+              <a:rPr lang="en-US" dirty="0">
+                <a:latin typeface="Calibri" panose="020F0502020204030204" pitchFamily="34" charset="0"/>
+                <a:cs typeface="Calibri" panose="020F0502020204030204" pitchFamily="34" charset="0"/>
+              </a:rPr>
+              <a:t> </a:t>
+            </a:r>
+            <a:r>
+              <a:rPr lang="en-US" dirty="0" err="1">
+                <a:latin typeface="Calibri" panose="020F0502020204030204" pitchFamily="34" charset="0"/>
+                <a:cs typeface="Calibri" panose="020F0502020204030204" pitchFamily="34" charset="0"/>
+              </a:rPr>
+              <a:t>Invariantes</a:t>
+            </a:r>
+            <a:r>
+              <a:rPr lang="en-US" dirty="0">
+                <a:latin typeface="Calibri" panose="020F0502020204030204" pitchFamily="34" charset="0"/>
+                <a:cs typeface="Calibri" panose="020F0502020204030204" pitchFamily="34" charset="0"/>
+              </a:rPr>
+              <a:t> a </a:t>
+            </a:r>
+            <a:r>
+              <a:rPr lang="en-US" dirty="0" err="1">
+                <a:latin typeface="Calibri" panose="020F0502020204030204" pitchFamily="34" charset="0"/>
+                <a:cs typeface="Calibri" panose="020F0502020204030204" pitchFamily="34" charset="0"/>
+              </a:rPr>
+              <a:t>Translação</a:t>
+            </a:r>
+            <a:r>
+              <a:rPr lang="en-US" dirty="0">
+                <a:latin typeface="Calibri" panose="020F0502020204030204" pitchFamily="34" charset="0"/>
+                <a:cs typeface="Calibri" panose="020F0502020204030204" pitchFamily="34" charset="0"/>
+              </a:rPr>
+              <a:t> e Scala</a:t>
             </a:r>
           </a:p>
           <a:p>
@@ -25215,7 +25234,7 @@
               <a:buFont typeface="Arial" pitchFamily="34" charset="0"/>
               <a:buChar char="•"/>
             </a:pPr>
-            <a:endParaRPr lang="en-US">
+            <a:endParaRPr lang="en-US" dirty="0">
               <a:latin typeface="Calibri" panose="020F0502020204030204" pitchFamily="34" charset="0"/>
               <a:cs typeface="Calibri" panose="020F0502020204030204" pitchFamily="34" charset="0"/>
             </a:endParaRPr>
@@ -25776,7 +25795,7 @@
         <p:spPr>
           <a:xfrm>
             <a:off x="200025" y="1742667"/>
-            <a:ext cx="9516375" cy="1477328"/>
+            <a:ext cx="9516375" cy="1200329"/>
           </a:xfrm>
           <a:prstGeom prst="rect">
             <a:avLst/>
@@ -25888,11 +25907,18 @@
               <a:buChar char="•"/>
             </a:pPr>
             <a:r>
-              <a:rPr lang="en-US" err="1">
+              <a:rPr lang="en-US" dirty="0" err="1">
                 <a:latin typeface="Calibri" panose="020F0502020204030204" pitchFamily="34" charset="0"/>
                 <a:cs typeface="Calibri" panose="020F0502020204030204" pitchFamily="34" charset="0"/>
               </a:rPr>
-              <a:t>HoG – Histogram of Oriented Gradients</a:t>
+              <a:t>HoG</a:t>
+            </a:r>
+            <a:r>
+              <a:rPr lang="en-US" dirty="0">
+                <a:latin typeface="Calibri" panose="020F0502020204030204" pitchFamily="34" charset="0"/>
+                <a:cs typeface="Calibri" panose="020F0502020204030204" pitchFamily="34" charset="0"/>
+              </a:rPr>
+              <a:t> – Histogram of Oriented Gradients</a:t>
             </a:r>
           </a:p>
           <a:p>
@@ -25901,11 +25927,11 @@
               <a:buChar char="•"/>
             </a:pPr>
             <a:r>
-              <a:rPr lang="en-US" b="0" i="0">
+              <a:rPr lang="pt-BR" b="0" i="0" dirty="0">
                 <a:effectLst/>
                 <a:latin typeface="Inter"/>
               </a:rPr>
-              <a:t>Computes the gradient and orientation of edges</a:t>
+              <a:t>Calcula o gradiente e orientação das arestas</a:t>
             </a:r>
           </a:p>
           <a:p>
@@ -25914,11 +25940,25 @@
               <a:buChar char="•"/>
             </a:pPr>
             <a:r>
-              <a:rPr lang="en-US">
+              <a:rPr lang="pt-BR" b="0" i="0" dirty="0">
+                <a:effectLst/>
                 <a:latin typeface="Inter"/>
-                <a:cs typeface="Calibri" panose="020F0502020204030204" pitchFamily="34" charset="0"/>
               </a:rPr>
-              <a:t>Use a kernel to compute the Gradients (i.e 9x1)</a:t>
+              <a:t>Utiliza um kernel para calcular os gradientes (</a:t>
+            </a:r>
+            <a:r>
+              <a:rPr lang="pt-BR" b="0" i="0" dirty="0" err="1">
+                <a:effectLst/>
+                <a:latin typeface="Inter"/>
+              </a:rPr>
+              <a:t>ex</a:t>
+            </a:r>
+            <a:r>
+              <a:rPr lang="pt-BR" b="0" i="0" dirty="0">
+                <a:effectLst/>
+                <a:latin typeface="Inter"/>
+              </a:rPr>
+              <a:t>: 9x1)</a:t>
             </a:r>
           </a:p>
           <a:p>
@@ -25927,23 +25967,27 @@
               <a:buChar char="•"/>
             </a:pPr>
             <a:r>
-              <a:rPr lang="en-US">
+              <a:rPr lang="pt-BR" b="0" i="0" dirty="0">
+                <a:effectLst/>
                 <a:latin typeface="Inter"/>
-                <a:cs typeface="Calibri" panose="020F0502020204030204" pitchFamily="34" charset="0"/>
               </a:rPr>
-              <a:t>Patch-Based Histogram (8x8, 16x16..)</a:t>
+              <a:t>Histograma Baseado em </a:t>
             </a:r>
-            <a:endParaRPr lang="en-US">
-              <a:latin typeface="Calibri" panose="020F0502020204030204" pitchFamily="34" charset="0"/>
-              <a:cs typeface="Calibri" panose="020F0502020204030204" pitchFamily="34" charset="0"/>
-            </a:endParaRPr>
-          </a:p>
-          <a:p>
-            <a:pPr marL="742950" lvl="1" indent="-285750">
-              <a:buFont typeface="Arial" pitchFamily="34" charset="0"/>
-              <a:buChar char="•"/>
-            </a:pPr>
-            <a:endParaRPr lang="en-US">
+            <a:r>
+              <a:rPr lang="pt-BR" b="0" i="1" dirty="0">
+                <a:effectLst/>
+                <a:latin typeface="Inter"/>
+              </a:rPr>
+              <a:t>Patches</a:t>
+            </a:r>
+            <a:r>
+              <a:rPr lang="pt-BR" b="0" i="0" dirty="0">
+                <a:effectLst/>
+                <a:latin typeface="Inter"/>
+              </a:rPr>
+              <a:t> (8x8, 16x16..)</a:t>
+            </a:r>
+            <a:endParaRPr lang="en-US" dirty="0">
               <a:latin typeface="Calibri" panose="020F0502020204030204" pitchFamily="34" charset="0"/>
               <a:cs typeface="Calibri" panose="020F0502020204030204" pitchFamily="34" charset="0"/>
             </a:endParaRPr>
@@ -26886,7 +26930,7 @@
               <a:buChar char="•"/>
             </a:pPr>
             <a:r>
-              <a:rPr lang="en-US">
+              <a:rPr lang="en-US" dirty="0">
                 <a:latin typeface="Calibri" panose="020F0502020204030204" pitchFamily="34" charset="0"/>
                 <a:cs typeface="Calibri" panose="020F0502020204030204" pitchFamily="34" charset="0"/>
               </a:rPr>
@@ -26899,11 +26943,18 @@
               <a:buChar char="•"/>
             </a:pPr>
             <a:r>
-              <a:rPr lang="en-US">
+              <a:rPr lang="pt-BR" dirty="0">
                 <a:latin typeface="Inter"/>
                 <a:cs typeface="Calibri" panose="020F0502020204030204" pitchFamily="34" charset="0"/>
               </a:rPr>
-              <a:t>Convolves the image using several Gaussian Kernels (Kernel Bank)</a:t>
+              <a:t>Convolve a imagem usando vários kernels gaussianos</a:t>
+            </a:r>
+            <a:r>
+              <a:rPr lang="en-US" dirty="0">
+                <a:latin typeface="Inter"/>
+                <a:cs typeface="Calibri" panose="020F0502020204030204" pitchFamily="34" charset="0"/>
+              </a:rPr>
+              <a:t> (Kernel Bank)</a:t>
             </a:r>
           </a:p>
           <a:p>
@@ -26911,7 +26962,7 @@
               <a:buFont typeface="Arial" pitchFamily="34" charset="0"/>
               <a:buChar char="•"/>
             </a:pPr>
-            <a:endParaRPr lang="en-US">
+            <a:endParaRPr lang="en-US" dirty="0">
               <a:latin typeface="Calibri" panose="020F0502020204030204" pitchFamily="34" charset="0"/>
               <a:cs typeface="Calibri" panose="020F0502020204030204" pitchFamily="34" charset="0"/>
             </a:endParaRPr>
@@ -27645,11 +27696,11 @@
               <a:buChar char="•"/>
             </a:pPr>
             <a:r>
-              <a:rPr lang="en-US" dirty="0">
+              <a:rPr lang="pt-BR" dirty="0">
                 <a:latin typeface="Inter"/>
                 <a:cs typeface="Calibri" panose="020F0502020204030204" pitchFamily="34" charset="0"/>
               </a:rPr>
-              <a:t>Convolves the image using a Circular Kernel</a:t>
+              <a:t>Convolve a imagem usando um kernel circular</a:t>
             </a:r>
           </a:p>
           <a:p>
@@ -27658,12 +27709,16 @@
               <a:buChar char="•"/>
             </a:pPr>
             <a:r>
-              <a:rPr lang="en-US" dirty="0">
+              <a:rPr lang="pt-BR" dirty="0">
                 <a:latin typeface="Inter"/>
                 <a:cs typeface="Calibri" panose="020F0502020204030204" pitchFamily="34" charset="0"/>
               </a:rPr>
-              <a:t>The resulting pixel is computed in the binary neighborhood</a:t>
+              <a:t>O pixel resultante é calculado na vizinhança binária</a:t>
             </a:r>
+            <a:endParaRPr lang="en-US" dirty="0">
+              <a:latin typeface="Inter"/>
+              <a:cs typeface="Calibri" panose="020F0502020204030204" pitchFamily="34" charset="0"/>
+            </a:endParaRPr>
           </a:p>
         </p:txBody>
       </p:sp>
